--- a/results/Similar_Rook_Endgames.pptx
+++ b/results/Similar_Rook_Endgames.pptx
@@ -132,7 +132,7 @@
   <p1510:revLst>
     <p1510:client id="{26C356DB-B141-4975-9083-71CE372C3E18}" v="529" dt="2023-11-04T18:17:01.691"/>
     <p1510:client id="{84D37226-4E2F-8422-9EBE-7FABA84B360A}" v="34" dt="2023-11-04T10:29:46.553"/>
-    <p1510:client id="{851DB33B-4FF1-431D-A603-7314CB163D69}" v="356" dt="2023-11-04T20:39:59.985"/>
+    <p1510:client id="{851DB33B-4FF1-431D-A603-7314CB163D69}" v="376" dt="2023-11-04T21:27:13.661"/>
     <p1510:client id="{BE85BD21-E00F-4EB3-B676-A617370929E2}" v="1204" dt="2023-11-02T21:20:34.248"/>
   </p1510:revLst>
 </p1510:revInfo>
@@ -9415,15 +9415,13 @@
           <a:lstStyle/>
           <a:p>
             <a:r>
-              <a:rPr lang="en-GB" sz="1700">
+              <a:rPr lang="en-GB" sz="1700" dirty="0">
                 <a:ea typeface="+mn-lt"/>
                 <a:cs typeface="+mn-lt"/>
               </a:rPr>
-              <a:t>25... f6 26. Rb7 Rfb8 27. Rb6 Kf7 28. b3 Rxb6 29. axb6</a:t>
-            </a:r>
-            <a:endParaRPr lang="en-GB" sz="1700">
-              <a:cs typeface="Calibri"/>
-            </a:endParaRPr>
+              <a:t>1. Ra6 Rc7 2. Rb6 Ra7 3. Rd6 Rb7 4. Ra6 Rb5+</a:t>
+            </a:r>
+            <a:endParaRPr lang="sl-SI" dirty="0"/>
           </a:p>
         </p:txBody>
       </p:sp>
@@ -9583,13 +9581,13 @@
           <a:lstStyle/>
           <a:p>
             <a:r>
-              <a:rPr lang="en-GB" sz="1600">
+              <a:rPr lang="en-GB" sz="1600" dirty="0">
                 <a:ea typeface="+mn-lt"/>
                 <a:cs typeface="+mn-lt"/>
               </a:rPr>
-              <a:t>22... Rfe8 23. Rxe8+ Rxe8 24. Kf1 Rb8 25. b3</a:t>
-            </a:r>
-            <a:endParaRPr lang="en-US"/>
+              <a:t>50... Re7 51. Ra6 Rd7 52. Ra5 Rb7 53. Ra1</a:t>
+            </a:r>
+            <a:endParaRPr lang="sl-SI" dirty="0"/>
           </a:p>
         </p:txBody>
       </p:sp>
@@ -9625,13 +9623,13 @@
           <a:lstStyle/>
           <a:p>
             <a:r>
-              <a:rPr lang="en-GB" sz="1600">
+              <a:rPr lang="en-GB" sz="1600" dirty="0">
                 <a:ea typeface="+mn-lt"/>
                 <a:cs typeface="+mn-lt"/>
               </a:rPr>
-              <a:t>21. Kf1 Kf8 22. b3 Rab8 23. Rxe8+ Rxe8</a:t>
-            </a:r>
-            <a:endParaRPr lang="en-US"/>
+              <a:t>63... Rd7+ 64. Kc4 h5 65. Rd5 Rc7+ 66. Rc5</a:t>
+            </a:r>
+            <a:endParaRPr lang="sl-SI" dirty="0"/>
           </a:p>
         </p:txBody>
       </p:sp>
@@ -9667,13 +9665,13 @@
           <a:lstStyle/>
           <a:p>
             <a:r>
-              <a:rPr lang="pt-BR" sz="1600">
+              <a:rPr lang="pt-BR" sz="1600" dirty="0">
                 <a:ea typeface="+mn-lt"/>
                 <a:cs typeface="+mn-lt"/>
               </a:rPr>
-              <a:t>25... f6 26. Rae1 Rf7 27. Re8+ Rf8 28. R8e4</a:t>
-            </a:r>
-            <a:endParaRPr lang="en-US"/>
+              <a:t>50... Rd3 51. Ra7+ Kf6 52. Kf2 Rd2+ 53. Kg3</a:t>
+            </a:r>
+            <a:endParaRPr lang="sl-SI" dirty="0"/>
           </a:p>
         </p:txBody>
       </p:sp>

--- a/results/Similar_Rook_Endgames.pptx
+++ b/results/Similar_Rook_Endgames.pptx
@@ -131,6 +131,7 @@
 <p1510:revInfo xmlns:a="http://schemas.openxmlformats.org/drawingml/2006/main" xmlns:r="http://schemas.openxmlformats.org/officeDocument/2006/relationships" xmlns:p1510="http://schemas.microsoft.com/office/powerpoint/2015/10/main">
   <p1510:revLst>
     <p1510:client id="{26C356DB-B141-4975-9083-71CE372C3E18}" v="529" dt="2023-11-04T18:17:01.691"/>
+    <p1510:client id="{6000055A-E622-4570-8BEA-02927597E596}" v="61" dt="2023-11-06T21:20:35.957"/>
     <p1510:client id="{84D37226-4E2F-8422-9EBE-7FABA84B360A}" v="34" dt="2023-11-04T10:29:46.553"/>
     <p1510:client id="{851DB33B-4FF1-431D-A603-7314CB163D69}" v="376" dt="2023-11-04T21:27:13.661"/>
     <p1510:client id="{BE85BD21-E00F-4EB3-B676-A617370929E2}" v="1204" dt="2023-11-02T21:20:34.248"/>
@@ -267,7 +268,7 @@
           <a:p>
             <a:fld id="{C764DE79-268F-4C1A-8933-263129D2AF90}" type="datetimeFigureOut">
               <a:rPr lang="en-US" dirty="0"/>
-              <a:t>11/4/2023</a:t>
+              <a:t>11/6/2023</a:t>
             </a:fld>
             <a:endParaRPr lang="en-US"/>
           </a:p>
@@ -435,7 +436,7 @@
           <a:p>
             <a:fld id="{C764DE79-268F-4C1A-8933-263129D2AF90}" type="datetimeFigureOut">
               <a:rPr lang="en-US" dirty="0"/>
-              <a:t>11/4/2023</a:t>
+              <a:t>11/6/2023</a:t>
             </a:fld>
             <a:endParaRPr lang="en-US"/>
           </a:p>
@@ -613,7 +614,7 @@
           <a:p>
             <a:fld id="{C764DE79-268F-4C1A-8933-263129D2AF90}" type="datetimeFigureOut">
               <a:rPr lang="en-US" dirty="0"/>
-              <a:t>11/4/2023</a:t>
+              <a:t>11/6/2023</a:t>
             </a:fld>
             <a:endParaRPr lang="en-US"/>
           </a:p>
@@ -781,7 +782,7 @@
           <a:p>
             <a:fld id="{C764DE79-268F-4C1A-8933-263129D2AF90}" type="datetimeFigureOut">
               <a:rPr lang="en-US" dirty="0"/>
-              <a:t>11/4/2023</a:t>
+              <a:t>11/6/2023</a:t>
             </a:fld>
             <a:endParaRPr lang="en-US"/>
           </a:p>
@@ -1026,7 +1027,7 @@
           <a:p>
             <a:fld id="{C764DE79-268F-4C1A-8933-263129D2AF90}" type="datetimeFigureOut">
               <a:rPr lang="en-US" dirty="0"/>
-              <a:t>11/4/2023</a:t>
+              <a:t>11/6/2023</a:t>
             </a:fld>
             <a:endParaRPr lang="en-US"/>
           </a:p>
@@ -1255,7 +1256,7 @@
           <a:p>
             <a:fld id="{C764DE79-268F-4C1A-8933-263129D2AF90}" type="datetimeFigureOut">
               <a:rPr lang="en-US" dirty="0"/>
-              <a:t>11/4/2023</a:t>
+              <a:t>11/6/2023</a:t>
             </a:fld>
             <a:endParaRPr lang="en-US"/>
           </a:p>
@@ -1619,7 +1620,7 @@
           <a:p>
             <a:fld id="{C764DE79-268F-4C1A-8933-263129D2AF90}" type="datetimeFigureOut">
               <a:rPr lang="en-US" dirty="0"/>
-              <a:t>11/4/2023</a:t>
+              <a:t>11/6/2023</a:t>
             </a:fld>
             <a:endParaRPr lang="en-US"/>
           </a:p>
@@ -1736,7 +1737,7 @@
           <a:p>
             <a:fld id="{C764DE79-268F-4C1A-8933-263129D2AF90}" type="datetimeFigureOut">
               <a:rPr lang="en-US" dirty="0"/>
-              <a:t>11/4/2023</a:t>
+              <a:t>11/6/2023</a:t>
             </a:fld>
             <a:endParaRPr lang="en-US"/>
           </a:p>
@@ -1831,7 +1832,7 @@
           <a:p>
             <a:fld id="{C764DE79-268F-4C1A-8933-263129D2AF90}" type="datetimeFigureOut">
               <a:rPr lang="en-US" dirty="0"/>
-              <a:t>11/4/2023</a:t>
+              <a:t>11/6/2023</a:t>
             </a:fld>
             <a:endParaRPr lang="en-US"/>
           </a:p>
@@ -2106,7 +2107,7 @@
           <a:p>
             <a:fld id="{C764DE79-268F-4C1A-8933-263129D2AF90}" type="datetimeFigureOut">
               <a:rPr lang="en-US" dirty="0"/>
-              <a:t>11/4/2023</a:t>
+              <a:t>11/6/2023</a:t>
             </a:fld>
             <a:endParaRPr lang="en-US"/>
           </a:p>
@@ -2358,7 +2359,7 @@
           <a:p>
             <a:fld id="{C764DE79-268F-4C1A-8933-263129D2AF90}" type="datetimeFigureOut">
               <a:rPr lang="en-US" dirty="0"/>
-              <a:t>11/4/2023</a:t>
+              <a:t>11/6/2023</a:t>
             </a:fld>
             <a:endParaRPr lang="en-US"/>
           </a:p>
@@ -2569,7 +2570,7 @@
           <a:p>
             <a:fld id="{C764DE79-268F-4C1A-8933-263129D2AF90}" type="datetimeFigureOut">
               <a:rPr lang="en-US" dirty="0"/>
-              <a:t>11/4/2023</a:t>
+              <a:t>11/6/2023</a:t>
             </a:fld>
             <a:endParaRPr lang="en-US"/>
           </a:p>
@@ -3065,7 +3066,7 @@
         <p:spPr>
           <a:xfrm>
             <a:off x="5901396" y="2772223"/>
-            <a:ext cx="5424129" cy="2554545"/>
+            <a:ext cx="5424129" cy="3785652"/>
           </a:xfrm>
           <a:prstGeom prst="rect">
             <a:avLst/>
@@ -3082,55 +3083,87 @@
           <a:lstStyle/>
           <a:p>
             <a:r>
-              <a:rPr lang="en-US" sz="2000"/>
-              <a:t>The task in the following pages is as follows.</a:t>
-            </a:r>
-          </a:p>
-          <a:p>
-            <a:endParaRPr lang="en-US" sz="2000"/>
-          </a:p>
-          <a:p>
-            <a:r>
-              <a:rPr lang="en-US" sz="2000"/>
+              <a:rPr lang="en-US" sz="2000" dirty="0"/>
+              <a:t>The task on the following pages is as follows.</a:t>
+            </a:r>
+            <a:endParaRPr lang="en-US" sz="2000" dirty="0">
+              <a:cs typeface="Calibri"/>
+            </a:endParaRPr>
+          </a:p>
+          <a:p>
+            <a:endParaRPr lang="en-US" sz="2000" dirty="0">
+              <a:cs typeface="Calibri"/>
+            </a:endParaRPr>
+          </a:p>
+          <a:p>
+            <a:r>
+              <a:rPr lang="en-US" sz="2000" dirty="0"/>
               <a:t>Select a position that is the most similar</a:t>
             </a:r>
-          </a:p>
-          <a:p>
-            <a:r>
-              <a:rPr lang="en-US" sz="2000"/>
-              <a:t>to the one in the given example.</a:t>
-            </a:r>
-            <a:br>
-              <a:rPr lang="en-US" sz="2000"/>
-            </a:br>
-            <a:endParaRPr lang="en-US" sz="2000"/>
-          </a:p>
-          <a:p>
-            <a:r>
-              <a:rPr lang="en-US" sz="2000"/>
+            <a:endParaRPr lang="en-US" sz="2000" dirty="0">
+              <a:cs typeface="Calibri"/>
+            </a:endParaRPr>
+          </a:p>
+          <a:p>
+            <a:r>
+              <a:rPr lang="en-US" sz="2000" dirty="0"/>
+              <a:t>to the one in the example given.</a:t>
+            </a:r>
+            <a:endParaRPr lang="en-US" sz="2000" dirty="0">
+              <a:cs typeface="Calibri"/>
+            </a:endParaRPr>
+          </a:p>
+          <a:p>
+            <a:endParaRPr lang="en-US" sz="2000" dirty="0"/>
+          </a:p>
+          <a:p>
+            <a:r>
+              <a:rPr lang="en-US" sz="2000" dirty="0"/>
+              <a:t>Each position is accompanied by moves that indicate a possible sensible continuation.</a:t>
+            </a:r>
+            <a:endParaRPr lang="en-US" sz="2000" dirty="0">
+              <a:cs typeface="Calibri"/>
+            </a:endParaRPr>
+          </a:p>
+          <a:p>
+            <a:endParaRPr lang="en-US" sz="2000" dirty="0"/>
+          </a:p>
+          <a:p>
+            <a:r>
+              <a:rPr lang="en-US" sz="2000" dirty="0"/>
               <a:t>For each example, please write down:</a:t>
             </a:r>
+            <a:endParaRPr lang="en-US" sz="2000" dirty="0">
+              <a:cs typeface="Calibri"/>
+            </a:endParaRPr>
           </a:p>
           <a:p>
             <a:pPr marL="342900" indent="-342900">
-              <a:buFont typeface="Courier New" panose="02070309020205020404" pitchFamily="49" charset="0"/>
+              <a:buFont typeface="Courier New,monospace"/>
               <a:buChar char="o"/>
             </a:pPr>
             <a:r>
-              <a:rPr lang="en-US" sz="2000"/>
+              <a:rPr lang="en-US" sz="2000" dirty="0"/>
               <a:t>example number</a:t>
             </a:r>
+            <a:endParaRPr lang="en-US" sz="2000" dirty="0">
+              <a:cs typeface="Calibri"/>
+            </a:endParaRPr>
           </a:p>
           <a:p>
             <a:pPr marL="342900" indent="-342900">
-              <a:buFont typeface="Courier New" panose="02070309020205020404" pitchFamily="49" charset="0"/>
+              <a:buFont typeface="Courier New,monospace"/>
               <a:buChar char="o"/>
             </a:pPr>
             <a:r>
-              <a:rPr lang="en-US" sz="2000"/>
+              <a:rPr lang="en-US" sz="2000" dirty="0"/>
               <a:t>your choice (A, B, or C)</a:t>
             </a:r>
-            <a:endParaRPr lang="en-SI" sz="2000"/>
+          </a:p>
+          <a:p>
+            <a:endParaRPr lang="en-US" sz="2000" dirty="0">
+              <a:cs typeface="Calibri"/>
+            </a:endParaRPr>
           </a:p>
         </p:txBody>
       </p:sp>
@@ -11426,7 +11459,7 @@
                 <a:ea typeface="+mn-lt"/>
                 <a:cs typeface="+mn-lt"/>
               </a:rPr>
-              <a:t>1... Kc5 2. Rg4 Kb5 3. Rg1 Kb4 4. Rb1+ Kc5 5. Kh7</a:t>
+              <a:t>66. Kc4 g4 67. Kd3 Kb3 68. Ke4 Kc4 69. Ke3 f5 </a:t>
             </a:r>
             <a:endParaRPr lang="sl-SI" dirty="0"/>
           </a:p>
@@ -11592,9 +11625,12 @@
                 <a:ea typeface="+mn-lt"/>
                 <a:cs typeface="+mn-lt"/>
               </a:rPr>
-              <a:t>52. Rxg6 Kb5 53. Rg5+ Kb4 54. d5 a4</a:t>
-            </a:r>
-            <a:endParaRPr lang="sl-SI" dirty="0"/>
+              <a:t>60... c5 61. Ke4 f5+ 62. Kd5 b4 63. gxf5+</a:t>
+            </a:r>
+            <a:endParaRPr lang="sl-SI" dirty="0">
+              <a:ea typeface="+mn-lt"/>
+              <a:cs typeface="+mn-lt"/>
+            </a:endParaRPr>
           </a:p>
         </p:txBody>
       </p:sp>
@@ -11634,7 +11670,7 @@
                 <a:ea typeface="+mn-lt"/>
                 <a:cs typeface="+mn-lt"/>
               </a:rPr>
-              <a:t>1. Kh7 Kb5 2. Kg6 a4 3. Kf5 Kc4</a:t>
+              <a:t>50... f5 51. Kd4 Kb4 52. Ke3 Kc3 53. a3</a:t>
             </a:r>
             <a:endParaRPr lang="sl-SI" dirty="0"/>
           </a:p>
@@ -11676,7 +11712,7 @@
                 <a:ea typeface="+mn-lt"/>
                 <a:cs typeface="+mn-lt"/>
               </a:rPr>
-              <a:t>46... Rf1 47. a4 Kc6 48. g5 Rc1 49. Kb3</a:t>
+              <a:t>34. d5 Kb5 35. b4 Ka6 36. Kc3 Kb5</a:t>
             </a:r>
             <a:endParaRPr lang="sl-SI" dirty="0"/>
           </a:p>
@@ -11889,10 +11925,10 @@
       </p:pic>
       <p:pic>
         <p:nvPicPr>
-          <p:cNvPr id="6" name="Picture 13" descr="A screenshot of a game&#10;&#10;Description automatically generated">
-            <a:extLst>
-              <a:ext uri="{FF2B5EF4-FFF2-40B4-BE49-F238E27FC236}">
-                <a16:creationId xmlns:a16="http://schemas.microsoft.com/office/drawing/2014/main" id="{418365E0-23E1-38A2-78B2-2FAEB5090BE6}"/>
+          <p:cNvPr id="23" name="Picture 14" descr="A screenshot of a game&#10;&#10;Description automatically generated">
+            <a:extLst>
+              <a:ext uri="{FF2B5EF4-FFF2-40B4-BE49-F238E27FC236}">
+                <a16:creationId xmlns:a16="http://schemas.microsoft.com/office/drawing/2014/main" id="{015EE886-D4A5-C483-8879-1E6E5FF50B7B}"/>
               </a:ext>
             </a:extLst>
           </p:cNvPr>
@@ -11909,8 +11945,8 @@
         </p:blipFill>
         <p:spPr>
           <a:xfrm>
-            <a:off x="4810804" y="111803"/>
-            <a:ext cx="2551224" cy="2534837"/>
+            <a:off x="8889180" y="4097578"/>
+            <a:ext cx="2558026" cy="2533446"/>
           </a:xfrm>
           <a:prstGeom prst="rect">
             <a:avLst/>
@@ -11919,10 +11955,10 @@
       </p:pic>
       <p:pic>
         <p:nvPicPr>
-          <p:cNvPr id="23" name="Picture 14" descr="A screenshot of a game&#10;&#10;Description automatically generated">
-            <a:extLst>
-              <a:ext uri="{FF2B5EF4-FFF2-40B4-BE49-F238E27FC236}">
-                <a16:creationId xmlns:a16="http://schemas.microsoft.com/office/drawing/2014/main" id="{015EE886-D4A5-C483-8879-1E6E5FF50B7B}"/>
+          <p:cNvPr id="20" name="Picture 21" descr="A screenshot of a game&#10;&#10;Description automatically generated">
+            <a:extLst>
+              <a:ext uri="{FF2B5EF4-FFF2-40B4-BE49-F238E27FC236}">
+                <a16:creationId xmlns:a16="http://schemas.microsoft.com/office/drawing/2014/main" id="{D8F76BAD-3945-7242-9545-867498589219}"/>
               </a:ext>
             </a:extLst>
           </p:cNvPr>
@@ -11939,8 +11975,8 @@
         </p:blipFill>
         <p:spPr>
           <a:xfrm>
-            <a:off x="8889180" y="4097578"/>
-            <a:ext cx="2558026" cy="2533446"/>
+            <a:off x="682027" y="4079164"/>
+            <a:ext cx="2549833" cy="2533446"/>
           </a:xfrm>
           <a:prstGeom prst="rect">
             <a:avLst/>
@@ -11949,10 +11985,10 @@
       </p:pic>
       <p:pic>
         <p:nvPicPr>
-          <p:cNvPr id="14" name="Picture 18" descr="A screenshot of a game&#10;&#10;Description automatically generated">
-            <a:extLst>
-              <a:ext uri="{FF2B5EF4-FFF2-40B4-BE49-F238E27FC236}">
-                <a16:creationId xmlns:a16="http://schemas.microsoft.com/office/drawing/2014/main" id="{B469DD23-A400-8330-B453-F05F6AB3707B}"/>
+          <p:cNvPr id="22" name="Picture 20" descr="A screenshot of a game&#10;&#10;Description automatically generated">
+            <a:extLst>
+              <a:ext uri="{FF2B5EF4-FFF2-40B4-BE49-F238E27FC236}">
+                <a16:creationId xmlns:a16="http://schemas.microsoft.com/office/drawing/2014/main" id="{50ED07F4-1CCC-9996-9BEF-6607ACCD445E}"/>
               </a:ext>
             </a:extLst>
           </p:cNvPr>
@@ -11969,8 +12005,8 @@
         </p:blipFill>
         <p:spPr>
           <a:xfrm>
-            <a:off x="4810804" y="107629"/>
-            <a:ext cx="2551224" cy="2516285"/>
+            <a:off x="4816219" y="4082732"/>
+            <a:ext cx="2574413" cy="2590800"/>
           </a:xfrm>
           <a:prstGeom prst="rect">
             <a:avLst/>
@@ -11979,10 +12015,10 @@
       </p:pic>
       <p:pic>
         <p:nvPicPr>
-          <p:cNvPr id="20" name="Picture 21" descr="A screenshot of a game&#10;&#10;Description automatically generated">
-            <a:extLst>
-              <a:ext uri="{FF2B5EF4-FFF2-40B4-BE49-F238E27FC236}">
-                <a16:creationId xmlns:a16="http://schemas.microsoft.com/office/drawing/2014/main" id="{D8F76BAD-3945-7242-9545-867498589219}"/>
+          <p:cNvPr id="26" name="Picture 24" descr="A screenshot of a game&#10;&#10;Description automatically generated">
+            <a:extLst>
+              <a:ext uri="{FF2B5EF4-FFF2-40B4-BE49-F238E27FC236}">
+                <a16:creationId xmlns:a16="http://schemas.microsoft.com/office/drawing/2014/main" id="{BCC8B131-4920-551C-F3F7-B09F0FE9BEEC}"/>
               </a:ext>
             </a:extLst>
           </p:cNvPr>
@@ -11999,8 +12035,8 @@
         </p:blipFill>
         <p:spPr>
           <a:xfrm>
-            <a:off x="682027" y="4079164"/>
-            <a:ext cx="2549833" cy="2533446"/>
+            <a:off x="8889181" y="4111956"/>
+            <a:ext cx="2541639" cy="2541639"/>
           </a:xfrm>
           <a:prstGeom prst="rect">
             <a:avLst/>
@@ -12009,40 +12045,10 @@
       </p:pic>
       <p:pic>
         <p:nvPicPr>
-          <p:cNvPr id="22" name="Picture 20" descr="A screenshot of a game&#10;&#10;Description automatically generated">
-            <a:extLst>
-              <a:ext uri="{FF2B5EF4-FFF2-40B4-BE49-F238E27FC236}">
-                <a16:creationId xmlns:a16="http://schemas.microsoft.com/office/drawing/2014/main" id="{50ED07F4-1CCC-9996-9BEF-6607ACCD445E}"/>
-              </a:ext>
-            </a:extLst>
-          </p:cNvPr>
-          <p:cNvPicPr>
-            <a:picLocks noChangeAspect="1"/>
-          </p:cNvPicPr>
-          <p:nvPr/>
-        </p:nvPicPr>
-        <p:blipFill>
-          <a:blip r:embed="rId8"/>
-          <a:stretch>
-            <a:fillRect/>
-          </a:stretch>
-        </p:blipFill>
-        <p:spPr>
-          <a:xfrm>
-            <a:off x="4816219" y="4082732"/>
-            <a:ext cx="2574413" cy="2590800"/>
-          </a:xfrm>
-          <a:prstGeom prst="rect">
-            <a:avLst/>
-          </a:prstGeom>
-        </p:spPr>
-      </p:pic>
-      <p:pic>
-        <p:nvPicPr>
-          <p:cNvPr id="26" name="Picture 24" descr="A screenshot of a game&#10;&#10;Description automatically generated">
-            <a:extLst>
-              <a:ext uri="{FF2B5EF4-FFF2-40B4-BE49-F238E27FC236}">
-                <a16:creationId xmlns:a16="http://schemas.microsoft.com/office/drawing/2014/main" id="{BCC8B131-4920-551C-F3F7-B09F0FE9BEEC}"/>
+          <p:cNvPr id="3" name="Slika 2" descr="Slika, ki vsebuje besede šahist, namizna igra, šah, šahovnica&#10;&#10;Opis je samodejno ustvarjen">
+            <a:extLst>
+              <a:ext uri="{FF2B5EF4-FFF2-40B4-BE49-F238E27FC236}">
+                <a16:creationId xmlns:a16="http://schemas.microsoft.com/office/drawing/2014/main" id="{DDDD3011-A5AA-6AE8-A2BB-DA106CA6A958}"/>
               </a:ext>
             </a:extLst>
           </p:cNvPr>
@@ -12059,8 +12065,98 @@
         </p:blipFill>
         <p:spPr>
           <a:xfrm>
-            <a:off x="8889181" y="4111956"/>
-            <a:ext cx="2541639" cy="2541639"/>
+            <a:off x="4820434" y="106688"/>
+            <a:ext cx="2527540" cy="2537309"/>
+          </a:xfrm>
+          <a:prstGeom prst="rect">
+            <a:avLst/>
+          </a:prstGeom>
+        </p:spPr>
+      </p:pic>
+      <p:pic>
+        <p:nvPicPr>
+          <p:cNvPr id="5" name="Slika 4" descr="Slika, ki vsebuje besede šahist, namizna igra, šah, šahovnica&#10;&#10;Opis je samodejno ustvarjen">
+            <a:extLst>
+              <a:ext uri="{FF2B5EF4-FFF2-40B4-BE49-F238E27FC236}">
+                <a16:creationId xmlns:a16="http://schemas.microsoft.com/office/drawing/2014/main" id="{0F6013AA-FA7B-2E59-7381-8FE432042892}"/>
+              </a:ext>
+            </a:extLst>
+          </p:cNvPr>
+          <p:cNvPicPr>
+            <a:picLocks noChangeAspect="1"/>
+          </p:cNvPicPr>
+          <p:nvPr/>
+        </p:nvPicPr>
+        <p:blipFill>
+          <a:blip r:embed="rId11"/>
+          <a:stretch>
+            <a:fillRect/>
+          </a:stretch>
+        </p:blipFill>
+        <p:spPr>
+          <a:xfrm>
+            <a:off x="4810664" y="4084608"/>
+            <a:ext cx="2585050" cy="2556295"/>
+          </a:xfrm>
+          <a:prstGeom prst="rect">
+            <a:avLst/>
+          </a:prstGeom>
+        </p:spPr>
+      </p:pic>
+      <p:pic>
+        <p:nvPicPr>
+          <p:cNvPr id="9" name="Slika 8" descr="Slika, ki vsebuje besede šahist, namizna igra, šah, šahovnica&#10;&#10;Opis je samodejno ustvarjen">
+            <a:extLst>
+              <a:ext uri="{FF2B5EF4-FFF2-40B4-BE49-F238E27FC236}">
+                <a16:creationId xmlns:a16="http://schemas.microsoft.com/office/drawing/2014/main" id="{CE8DACBA-E424-C151-0A11-589D9EBE16AF}"/>
+              </a:ext>
+            </a:extLst>
+          </p:cNvPr>
+          <p:cNvPicPr>
+            <a:picLocks noChangeAspect="1"/>
+          </p:cNvPicPr>
+          <p:nvPr/>
+        </p:nvPicPr>
+        <p:blipFill>
+          <a:blip r:embed="rId12"/>
+          <a:stretch>
+            <a:fillRect/>
+          </a:stretch>
+        </p:blipFill>
+        <p:spPr>
+          <a:xfrm>
+            <a:off x="684362" y="4084608"/>
+            <a:ext cx="2570672" cy="2541917"/>
+          </a:xfrm>
+          <a:prstGeom prst="rect">
+            <a:avLst/>
+          </a:prstGeom>
+        </p:spPr>
+      </p:pic>
+      <p:pic>
+        <p:nvPicPr>
+          <p:cNvPr id="13" name="Slika 12" descr="Slika, ki vsebuje besede šahist, namizna igra, šah, šahovnica&#10;&#10;Opis je samodejno ustvarjen">
+            <a:extLst>
+              <a:ext uri="{FF2B5EF4-FFF2-40B4-BE49-F238E27FC236}">
+                <a16:creationId xmlns:a16="http://schemas.microsoft.com/office/drawing/2014/main" id="{FC75EF84-3A87-04D1-AFA2-4E60FEE9152E}"/>
+              </a:ext>
+            </a:extLst>
+          </p:cNvPr>
+          <p:cNvPicPr>
+            <a:picLocks noChangeAspect="1"/>
+          </p:cNvPicPr>
+          <p:nvPr/>
+        </p:nvPicPr>
+        <p:blipFill>
+          <a:blip r:embed="rId13"/>
+          <a:stretch>
+            <a:fillRect/>
+          </a:stretch>
+        </p:blipFill>
+        <p:spPr>
+          <a:xfrm>
+            <a:off x="8898996" y="4094377"/>
+            <a:ext cx="2570672" cy="2556295"/>
           </a:xfrm>
           <a:prstGeom prst="rect">
             <a:avLst/>
@@ -13227,7 +13323,7 @@
                 <a:ea typeface="+mn-lt"/>
                 <a:cs typeface="+mn-lt"/>
               </a:rPr>
-              <a:t>1... Ra4 2. Rf7+ Kh6 3. Rf3 Kg5 4. Kf7</a:t>
+              <a:t>1... Re2 2. Rd1 Ra2 3. Kd7 Ra8 4. Ke6</a:t>
             </a:r>
             <a:endParaRPr lang="sl-SI" dirty="0"/>
           </a:p>
@@ -13590,10 +13686,10 @@
       </p:pic>
       <p:pic>
         <p:nvPicPr>
-          <p:cNvPr id="23" name="Picture 14" descr="A screenshot of a game&#10;&#10;Description automatically generated">
-            <a:extLst>
-              <a:ext uri="{FF2B5EF4-FFF2-40B4-BE49-F238E27FC236}">
-                <a16:creationId xmlns:a16="http://schemas.microsoft.com/office/drawing/2014/main" id="{015EE886-D4A5-C483-8879-1E6E5FF50B7B}"/>
+          <p:cNvPr id="20" name="Picture 21" descr="A screenshot of a game&#10;&#10;Description automatically generated">
+            <a:extLst>
+              <a:ext uri="{FF2B5EF4-FFF2-40B4-BE49-F238E27FC236}">
+                <a16:creationId xmlns:a16="http://schemas.microsoft.com/office/drawing/2014/main" id="{D8F76BAD-3945-7242-9545-867498589219}"/>
               </a:ext>
             </a:extLst>
           </p:cNvPr>
@@ -13610,8 +13706,8 @@
         </p:blipFill>
         <p:spPr>
           <a:xfrm>
-            <a:off x="8889180" y="4097578"/>
-            <a:ext cx="2558026" cy="2533446"/>
+            <a:off x="682027" y="4168229"/>
+            <a:ext cx="2549833" cy="2533446"/>
           </a:xfrm>
           <a:prstGeom prst="rect">
             <a:avLst/>
@@ -13620,10 +13716,10 @@
       </p:pic>
       <p:pic>
         <p:nvPicPr>
-          <p:cNvPr id="20" name="Picture 21" descr="A screenshot of a game&#10;&#10;Description automatically generated">
-            <a:extLst>
-              <a:ext uri="{FF2B5EF4-FFF2-40B4-BE49-F238E27FC236}">
-                <a16:creationId xmlns:a16="http://schemas.microsoft.com/office/drawing/2014/main" id="{D8F76BAD-3945-7242-9545-867498589219}"/>
+          <p:cNvPr id="25" name="Picture 17" descr="A screenshot of a game&#10;&#10;Description automatically generated">
+            <a:extLst>
+              <a:ext uri="{FF2B5EF4-FFF2-40B4-BE49-F238E27FC236}">
+                <a16:creationId xmlns:a16="http://schemas.microsoft.com/office/drawing/2014/main" id="{13B9A6FF-E7DD-90B5-51D2-EE788EB53E81}"/>
               </a:ext>
             </a:extLst>
           </p:cNvPr>
@@ -13640,8 +13736,8 @@
         </p:blipFill>
         <p:spPr>
           <a:xfrm>
-            <a:off x="682027" y="4168229"/>
-            <a:ext cx="2549833" cy="2533446"/>
+            <a:off x="696405" y="4170238"/>
+            <a:ext cx="2541639" cy="2533445"/>
           </a:xfrm>
           <a:prstGeom prst="rect">
             <a:avLst/>
@@ -13650,10 +13746,10 @@
       </p:pic>
       <p:pic>
         <p:nvPicPr>
-          <p:cNvPr id="26" name="Picture 24" descr="A screenshot of a game&#10;&#10;Description automatically generated">
-            <a:extLst>
-              <a:ext uri="{FF2B5EF4-FFF2-40B4-BE49-F238E27FC236}">
-                <a16:creationId xmlns:a16="http://schemas.microsoft.com/office/drawing/2014/main" id="{BCC8B131-4920-551C-F3F7-B09F0FE9BEEC}"/>
+          <p:cNvPr id="34" name="Picture 25" descr="A chess board with chess pieces and chess pieces&#10;&#10;Description automatically generated">
+            <a:extLst>
+              <a:ext uri="{FF2B5EF4-FFF2-40B4-BE49-F238E27FC236}">
+                <a16:creationId xmlns:a16="http://schemas.microsoft.com/office/drawing/2014/main" id="{F0AD267A-3D35-DAB6-9441-4D7E51ABE281}"/>
               </a:ext>
             </a:extLst>
           </p:cNvPr>
@@ -13670,8 +13766,8 @@
         </p:blipFill>
         <p:spPr>
           <a:xfrm>
-            <a:off x="8889181" y="4111956"/>
-            <a:ext cx="2541639" cy="2541639"/>
+            <a:off x="4815285" y="4108709"/>
+            <a:ext cx="2549833" cy="2558026"/>
           </a:xfrm>
           <a:prstGeom prst="rect">
             <a:avLst/>
@@ -13680,10 +13776,10 @@
       </p:pic>
       <p:pic>
         <p:nvPicPr>
-          <p:cNvPr id="25" name="Picture 17" descr="A screenshot of a game&#10;&#10;Description automatically generated">
-            <a:extLst>
-              <a:ext uri="{FF2B5EF4-FFF2-40B4-BE49-F238E27FC236}">
-                <a16:creationId xmlns:a16="http://schemas.microsoft.com/office/drawing/2014/main" id="{13B9A6FF-E7DD-90B5-51D2-EE788EB53E81}"/>
+          <p:cNvPr id="21" name="Picture 26" descr="A screenshot of a game&#10;&#10;Description automatically generated">
+            <a:extLst>
+              <a:ext uri="{FF2B5EF4-FFF2-40B4-BE49-F238E27FC236}">
+                <a16:creationId xmlns:a16="http://schemas.microsoft.com/office/drawing/2014/main" id="{F69D1541-4FFA-34AC-E2B2-44BC7B372C5C}"/>
               </a:ext>
             </a:extLst>
           </p:cNvPr>
@@ -13700,8 +13796,8 @@
         </p:blipFill>
         <p:spPr>
           <a:xfrm>
-            <a:off x="696405" y="4170238"/>
-            <a:ext cx="2541639" cy="2533445"/>
+            <a:off x="4800909" y="99436"/>
+            <a:ext cx="2516285" cy="2524480"/>
           </a:xfrm>
           <a:prstGeom prst="rect">
             <a:avLst/>
@@ -13710,10 +13806,10 @@
       </p:pic>
       <p:pic>
         <p:nvPicPr>
-          <p:cNvPr id="34" name="Picture 25" descr="A chess board with chess pieces and chess pieces&#10;&#10;Description automatically generated">
-            <a:extLst>
-              <a:ext uri="{FF2B5EF4-FFF2-40B4-BE49-F238E27FC236}">
-                <a16:creationId xmlns:a16="http://schemas.microsoft.com/office/drawing/2014/main" id="{F0AD267A-3D35-DAB6-9441-4D7E51ABE281}"/>
+          <p:cNvPr id="27" name="Picture 34" descr="A game of chess with chess pieces&#10;&#10;Description automatically generated">
+            <a:extLst>
+              <a:ext uri="{FF2B5EF4-FFF2-40B4-BE49-F238E27FC236}">
+                <a16:creationId xmlns:a16="http://schemas.microsoft.com/office/drawing/2014/main" id="{E3EC2664-B054-68ED-6C02-2B1E09757C61}"/>
               </a:ext>
             </a:extLst>
           </p:cNvPr>
@@ -13730,8 +13826,8 @@
         </p:blipFill>
         <p:spPr>
           <a:xfrm>
-            <a:off x="4815285" y="4108709"/>
-            <a:ext cx="2549833" cy="2558026"/>
+            <a:off x="682027" y="4110718"/>
+            <a:ext cx="2574413" cy="2582607"/>
           </a:xfrm>
           <a:prstGeom prst="rect">
             <a:avLst/>
@@ -13740,10 +13836,10 @@
       </p:pic>
       <p:pic>
         <p:nvPicPr>
-          <p:cNvPr id="36" name="Picture 22" descr="A chess board with chess pieces&#10;&#10;Description automatically generated">
-            <a:extLst>
-              <a:ext uri="{FF2B5EF4-FFF2-40B4-BE49-F238E27FC236}">
-                <a16:creationId xmlns:a16="http://schemas.microsoft.com/office/drawing/2014/main" id="{26CF25BE-7674-4246-95FE-F183DD1FAABF}"/>
+          <p:cNvPr id="37" name="Picture 35" descr="A screenshot of a game&#10;&#10;Description automatically generated">
+            <a:extLst>
+              <a:ext uri="{FF2B5EF4-FFF2-40B4-BE49-F238E27FC236}">
+                <a16:creationId xmlns:a16="http://schemas.microsoft.com/office/drawing/2014/main" id="{B8D84C80-5628-F98C-D8BD-55CFDD49B92C}"/>
               </a:ext>
             </a:extLst>
           </p:cNvPr>
@@ -13760,8 +13856,8 @@
         </p:blipFill>
         <p:spPr>
           <a:xfrm>
-            <a:off x="8889181" y="4095567"/>
-            <a:ext cx="2566220" cy="2558026"/>
+            <a:off x="4800909" y="4102524"/>
+            <a:ext cx="2549832" cy="2590800"/>
           </a:xfrm>
           <a:prstGeom prst="rect">
             <a:avLst/>
@@ -13770,10 +13866,10 @@
       </p:pic>
       <p:pic>
         <p:nvPicPr>
-          <p:cNvPr id="21" name="Picture 26" descr="A screenshot of a game&#10;&#10;Description automatically generated">
-            <a:extLst>
-              <a:ext uri="{FF2B5EF4-FFF2-40B4-BE49-F238E27FC236}">
-                <a16:creationId xmlns:a16="http://schemas.microsoft.com/office/drawing/2014/main" id="{F69D1541-4FFA-34AC-E2B2-44BC7B372C5C}"/>
+          <p:cNvPr id="3" name="Slika 2" descr="Slika, ki vsebuje besede namizna igra, igre, dvoranske igre in športi, kvadrat&#10;&#10;Opis je samodejno ustvarjen">
+            <a:extLst>
+              <a:ext uri="{FF2B5EF4-FFF2-40B4-BE49-F238E27FC236}">
+                <a16:creationId xmlns:a16="http://schemas.microsoft.com/office/drawing/2014/main" id="{E62F50CD-25F9-EA57-36CF-A30B86F4F9E5}"/>
               </a:ext>
             </a:extLst>
           </p:cNvPr>
@@ -13790,98 +13886,8 @@
         </p:blipFill>
         <p:spPr>
           <a:xfrm>
-            <a:off x="4800909" y="99436"/>
-            <a:ext cx="2516285" cy="2524480"/>
-          </a:xfrm>
-          <a:prstGeom prst="rect">
-            <a:avLst/>
-          </a:prstGeom>
-        </p:spPr>
-      </p:pic>
-      <p:pic>
-        <p:nvPicPr>
-          <p:cNvPr id="27" name="Picture 34" descr="A game of chess with chess pieces&#10;&#10;Description automatically generated">
-            <a:extLst>
-              <a:ext uri="{FF2B5EF4-FFF2-40B4-BE49-F238E27FC236}">
-                <a16:creationId xmlns:a16="http://schemas.microsoft.com/office/drawing/2014/main" id="{E3EC2664-B054-68ED-6C02-2B1E09757C61}"/>
-              </a:ext>
-            </a:extLst>
-          </p:cNvPr>
-          <p:cNvPicPr>
-            <a:picLocks noChangeAspect="1"/>
-          </p:cNvPicPr>
-          <p:nvPr/>
-        </p:nvPicPr>
-        <p:blipFill>
-          <a:blip r:embed="rId17"/>
-          <a:stretch>
-            <a:fillRect/>
-          </a:stretch>
-        </p:blipFill>
-        <p:spPr>
-          <a:xfrm>
-            <a:off x="682027" y="4110718"/>
-            <a:ext cx="2574413" cy="2582607"/>
-          </a:xfrm>
-          <a:prstGeom prst="rect">
-            <a:avLst/>
-          </a:prstGeom>
-        </p:spPr>
-      </p:pic>
-      <p:pic>
-        <p:nvPicPr>
-          <p:cNvPr id="37" name="Picture 35" descr="A screenshot of a game&#10;&#10;Description automatically generated">
-            <a:extLst>
-              <a:ext uri="{FF2B5EF4-FFF2-40B4-BE49-F238E27FC236}">
-                <a16:creationId xmlns:a16="http://schemas.microsoft.com/office/drawing/2014/main" id="{B8D84C80-5628-F98C-D8BD-55CFDD49B92C}"/>
-              </a:ext>
-            </a:extLst>
-          </p:cNvPr>
-          <p:cNvPicPr>
-            <a:picLocks noChangeAspect="1"/>
-          </p:cNvPicPr>
-          <p:nvPr/>
-        </p:nvPicPr>
-        <p:blipFill>
-          <a:blip r:embed="rId18"/>
-          <a:stretch>
-            <a:fillRect/>
-          </a:stretch>
-        </p:blipFill>
-        <p:spPr>
-          <a:xfrm>
-            <a:off x="4800909" y="4102524"/>
-            <a:ext cx="2549832" cy="2590800"/>
-          </a:xfrm>
-          <a:prstGeom prst="rect">
-            <a:avLst/>
-          </a:prstGeom>
-        </p:spPr>
-      </p:pic>
-      <p:pic>
-        <p:nvPicPr>
-          <p:cNvPr id="39" name="Picture 33" descr="A screenshot of a game&#10;&#10;Description automatically generated">
-            <a:extLst>
-              <a:ext uri="{FF2B5EF4-FFF2-40B4-BE49-F238E27FC236}">
-                <a16:creationId xmlns:a16="http://schemas.microsoft.com/office/drawing/2014/main" id="{1B9E8D4F-31DA-0E11-73C1-084B913AD7B3}"/>
-              </a:ext>
-            </a:extLst>
-          </p:cNvPr>
-          <p:cNvPicPr>
-            <a:picLocks noChangeAspect="1"/>
-          </p:cNvPicPr>
-          <p:nvPr/>
-        </p:nvPicPr>
-        <p:blipFill>
-          <a:blip r:embed="rId16"/>
-          <a:stretch>
-            <a:fillRect/>
-          </a:stretch>
-        </p:blipFill>
-        <p:spPr>
-          <a:xfrm>
-            <a:off x="8889180" y="4130507"/>
-            <a:ext cx="2558026" cy="2566220"/>
+            <a:off x="8879457" y="4084608"/>
+            <a:ext cx="2613804" cy="2556295"/>
           </a:xfrm>
           <a:prstGeom prst="rect">
             <a:avLst/>

--- a/results/Similar_Rook_Endgames.pptx
+++ b/results/Similar_Rook_Endgames.pptx
@@ -135,6 +135,7 @@
     <p1510:client id="{84D37226-4E2F-8422-9EBE-7FABA84B360A}" v="34" dt="2023-11-04T10:29:46.553"/>
     <p1510:client id="{851DB33B-4FF1-431D-A603-7314CB163D69}" v="376" dt="2023-11-04T21:27:13.661"/>
     <p1510:client id="{BE85BD21-E00F-4EB3-B676-A617370929E2}" v="1204" dt="2023-11-02T21:20:34.248"/>
+    <p1510:client id="{F8D485DB-E686-4AA3-BF15-32998642E273}" v="43" dt="2023-11-07T08:31:42.732"/>
   </p1510:revLst>
 </p1510:revInfo>
 </file>
@@ -268,7 +269,7 @@
           <a:p>
             <a:fld id="{C764DE79-268F-4C1A-8933-263129D2AF90}" type="datetimeFigureOut">
               <a:rPr lang="en-US" dirty="0"/>
-              <a:t>11/6/2023</a:t>
+              <a:t>11/7/2023</a:t>
             </a:fld>
             <a:endParaRPr lang="en-US"/>
           </a:p>
@@ -436,7 +437,7 @@
           <a:p>
             <a:fld id="{C764DE79-268F-4C1A-8933-263129D2AF90}" type="datetimeFigureOut">
               <a:rPr lang="en-US" dirty="0"/>
-              <a:t>11/6/2023</a:t>
+              <a:t>11/7/2023</a:t>
             </a:fld>
             <a:endParaRPr lang="en-US"/>
           </a:p>
@@ -614,7 +615,7 @@
           <a:p>
             <a:fld id="{C764DE79-268F-4C1A-8933-263129D2AF90}" type="datetimeFigureOut">
               <a:rPr lang="en-US" dirty="0"/>
-              <a:t>11/6/2023</a:t>
+              <a:t>11/7/2023</a:t>
             </a:fld>
             <a:endParaRPr lang="en-US"/>
           </a:p>
@@ -782,7 +783,7 @@
           <a:p>
             <a:fld id="{C764DE79-268F-4C1A-8933-263129D2AF90}" type="datetimeFigureOut">
               <a:rPr lang="en-US" dirty="0"/>
-              <a:t>11/6/2023</a:t>
+              <a:t>11/7/2023</a:t>
             </a:fld>
             <a:endParaRPr lang="en-US"/>
           </a:p>
@@ -1027,7 +1028,7 @@
           <a:p>
             <a:fld id="{C764DE79-268F-4C1A-8933-263129D2AF90}" type="datetimeFigureOut">
               <a:rPr lang="en-US" dirty="0"/>
-              <a:t>11/6/2023</a:t>
+              <a:t>11/7/2023</a:t>
             </a:fld>
             <a:endParaRPr lang="en-US"/>
           </a:p>
@@ -1256,7 +1257,7 @@
           <a:p>
             <a:fld id="{C764DE79-268F-4C1A-8933-263129D2AF90}" type="datetimeFigureOut">
               <a:rPr lang="en-US" dirty="0"/>
-              <a:t>11/6/2023</a:t>
+              <a:t>11/7/2023</a:t>
             </a:fld>
             <a:endParaRPr lang="en-US"/>
           </a:p>
@@ -1620,7 +1621,7 @@
           <a:p>
             <a:fld id="{C764DE79-268F-4C1A-8933-263129D2AF90}" type="datetimeFigureOut">
               <a:rPr lang="en-US" dirty="0"/>
-              <a:t>11/6/2023</a:t>
+              <a:t>11/7/2023</a:t>
             </a:fld>
             <a:endParaRPr lang="en-US"/>
           </a:p>
@@ -1737,7 +1738,7 @@
           <a:p>
             <a:fld id="{C764DE79-268F-4C1A-8933-263129D2AF90}" type="datetimeFigureOut">
               <a:rPr lang="en-US" dirty="0"/>
-              <a:t>11/6/2023</a:t>
+              <a:t>11/7/2023</a:t>
             </a:fld>
             <a:endParaRPr lang="en-US"/>
           </a:p>
@@ -1832,7 +1833,7 @@
           <a:p>
             <a:fld id="{C764DE79-268F-4C1A-8933-263129D2AF90}" type="datetimeFigureOut">
               <a:rPr lang="en-US" dirty="0"/>
-              <a:t>11/6/2023</a:t>
+              <a:t>11/7/2023</a:t>
             </a:fld>
             <a:endParaRPr lang="en-US"/>
           </a:p>
@@ -2107,7 +2108,7 @@
           <a:p>
             <a:fld id="{C764DE79-268F-4C1A-8933-263129D2AF90}" type="datetimeFigureOut">
               <a:rPr lang="en-US" dirty="0"/>
-              <a:t>11/6/2023</a:t>
+              <a:t>11/7/2023</a:t>
             </a:fld>
             <a:endParaRPr lang="en-US"/>
           </a:p>
@@ -2359,7 +2360,7 @@
           <a:p>
             <a:fld id="{C764DE79-268F-4C1A-8933-263129D2AF90}" type="datetimeFigureOut">
               <a:rPr lang="en-US" dirty="0"/>
-              <a:t>11/6/2023</a:t>
+              <a:t>11/7/2023</a:t>
             </a:fld>
             <a:endParaRPr lang="en-US"/>
           </a:p>
@@ -2570,7 +2571,7 @@
           <a:p>
             <a:fld id="{C764DE79-268F-4C1A-8933-263129D2AF90}" type="datetimeFigureOut">
               <a:rPr lang="en-US" dirty="0"/>
-              <a:t>11/6/2023</a:t>
+              <a:t>11/7/2023</a:t>
             </a:fld>
             <a:endParaRPr lang="en-US"/>
           </a:p>
@@ -11459,9 +11460,12 @@
                 <a:ea typeface="+mn-lt"/>
                 <a:cs typeface="+mn-lt"/>
               </a:rPr>
-              <a:t>66. Kc4 g4 67. Kd3 Kb3 68. Ke4 Kc4 69. Ke3 f5 </a:t>
-            </a:r>
-            <a:endParaRPr lang="sl-SI" dirty="0"/>
+              <a:t>72. Rb8 Rf1 73. Rb3 Kg7 74. Rh3 Rf5 75. Re3 Kf8</a:t>
+            </a:r>
+            <a:endParaRPr lang="en-US" dirty="0">
+              <a:ea typeface="+mn-lt"/>
+              <a:cs typeface="+mn-lt"/>
+            </a:endParaRPr>
           </a:p>
         </p:txBody>
       </p:sp>
@@ -11625,12 +11629,9 @@
                 <a:ea typeface="+mn-lt"/>
                 <a:cs typeface="+mn-lt"/>
               </a:rPr>
-              <a:t>60... c5 61. Ke4 f5+ 62. Kd5 b4 63. gxf5+</a:t>
-            </a:r>
-            <a:endParaRPr lang="sl-SI" dirty="0">
-              <a:ea typeface="+mn-lt"/>
-              <a:cs typeface="+mn-lt"/>
-            </a:endParaRPr>
+              <a:t>52. c7 Rh4+ 53. Kf5 Rc1 54. Ke6 Rd4</a:t>
+            </a:r>
+            <a:endParaRPr lang="en-US" dirty="0"/>
           </a:p>
         </p:txBody>
       </p:sp>
@@ -11670,9 +11671,12 @@
                 <a:ea typeface="+mn-lt"/>
                 <a:cs typeface="+mn-lt"/>
               </a:rPr>
-              <a:t>50... f5 51. Kd4 Kb4 52. Ke3 Kc3 53. a3</a:t>
-            </a:r>
-            <a:endParaRPr lang="sl-SI" dirty="0"/>
+              <a:t>47... Ra3 48. Rg1+ Kh7 49. Rg2 Ra4+ 50. Ke3</a:t>
+            </a:r>
+            <a:endParaRPr lang="en-US" dirty="0">
+              <a:ea typeface="+mn-lt"/>
+              <a:cs typeface="+mn-lt"/>
+            </a:endParaRPr>
           </a:p>
         </p:txBody>
       </p:sp>
@@ -11712,9 +11716,12 @@
                 <a:ea typeface="+mn-lt"/>
                 <a:cs typeface="+mn-lt"/>
               </a:rPr>
-              <a:t>34. d5 Kb5 35. b4 Ka6 36. Kc3 Kb5</a:t>
-            </a:r>
-            <a:endParaRPr lang="sl-SI" dirty="0"/>
+              <a:t>50... Kh8 51. h5 Rh4+ 52. Kg3 Rxh5 53. Rxa7</a:t>
+            </a:r>
+            <a:endParaRPr lang="en-US" dirty="0">
+              <a:ea typeface="+mn-lt"/>
+              <a:cs typeface="+mn-lt"/>
+            </a:endParaRPr>
           </a:p>
         </p:txBody>
       </p:sp>
@@ -12075,10 +12082,10 @@
       </p:pic>
       <p:pic>
         <p:nvPicPr>
-          <p:cNvPr id="5" name="Slika 4" descr="Slika, ki vsebuje besede šahist, namizna igra, šah, šahovnica&#10;&#10;Opis je samodejno ustvarjen">
-            <a:extLst>
-              <a:ext uri="{FF2B5EF4-FFF2-40B4-BE49-F238E27FC236}">
-                <a16:creationId xmlns:a16="http://schemas.microsoft.com/office/drawing/2014/main" id="{0F6013AA-FA7B-2E59-7381-8FE432042892}"/>
+          <p:cNvPr id="9" name="Slika 8" descr="Slika, ki vsebuje besede šahist, namizna igra, šah, šahovnica&#10;&#10;Opis je samodejno ustvarjen">
+            <a:extLst>
+              <a:ext uri="{FF2B5EF4-FFF2-40B4-BE49-F238E27FC236}">
+                <a16:creationId xmlns:a16="http://schemas.microsoft.com/office/drawing/2014/main" id="{CE8DACBA-E424-C151-0A11-589D9EBE16AF}"/>
               </a:ext>
             </a:extLst>
           </p:cNvPr>
@@ -12095,8 +12102,8 @@
         </p:blipFill>
         <p:spPr>
           <a:xfrm>
-            <a:off x="4810664" y="4084608"/>
-            <a:ext cx="2585050" cy="2556295"/>
+            <a:off x="684362" y="4084608"/>
+            <a:ext cx="2570672" cy="2541917"/>
           </a:xfrm>
           <a:prstGeom prst="rect">
             <a:avLst/>
@@ -12105,10 +12112,10 @@
       </p:pic>
       <p:pic>
         <p:nvPicPr>
-          <p:cNvPr id="9" name="Slika 8" descr="Slika, ki vsebuje besede šahist, namizna igra, šah, šahovnica&#10;&#10;Opis je samodejno ustvarjen">
-            <a:extLst>
-              <a:ext uri="{FF2B5EF4-FFF2-40B4-BE49-F238E27FC236}">
-                <a16:creationId xmlns:a16="http://schemas.microsoft.com/office/drawing/2014/main" id="{CE8DACBA-E424-C151-0A11-589D9EBE16AF}"/>
+          <p:cNvPr id="13" name="Slika 12" descr="Slika, ki vsebuje besede šahist, namizna igra, šah, šahovnica&#10;&#10;Opis je samodejno ustvarjen">
+            <a:extLst>
+              <a:ext uri="{FF2B5EF4-FFF2-40B4-BE49-F238E27FC236}">
+                <a16:creationId xmlns:a16="http://schemas.microsoft.com/office/drawing/2014/main" id="{FC75EF84-3A87-04D1-AFA2-4E60FEE9152E}"/>
               </a:ext>
             </a:extLst>
           </p:cNvPr>
@@ -12125,8 +12132,8 @@
         </p:blipFill>
         <p:spPr>
           <a:xfrm>
-            <a:off x="684362" y="4084608"/>
-            <a:ext cx="2570672" cy="2541917"/>
+            <a:off x="8898996" y="4094377"/>
+            <a:ext cx="2570672" cy="2556295"/>
           </a:xfrm>
           <a:prstGeom prst="rect">
             <a:avLst/>
@@ -12135,10 +12142,10 @@
       </p:pic>
       <p:pic>
         <p:nvPicPr>
-          <p:cNvPr id="13" name="Slika 12" descr="Slika, ki vsebuje besede šahist, namizna igra, šah, šahovnica&#10;&#10;Opis je samodejno ustvarjen">
-            <a:extLst>
-              <a:ext uri="{FF2B5EF4-FFF2-40B4-BE49-F238E27FC236}">
-                <a16:creationId xmlns:a16="http://schemas.microsoft.com/office/drawing/2014/main" id="{FC75EF84-3A87-04D1-AFA2-4E60FEE9152E}"/>
+          <p:cNvPr id="6" name="Picture 5" descr="A screenshot of a game&#10;&#10;Description automatically generated">
+            <a:extLst>
+              <a:ext uri="{FF2B5EF4-FFF2-40B4-BE49-F238E27FC236}">
+                <a16:creationId xmlns:a16="http://schemas.microsoft.com/office/drawing/2014/main" id="{5C100877-4752-4BB0-D0F8-3FDE298D4EBF}"/>
               </a:ext>
             </a:extLst>
           </p:cNvPr>
@@ -12155,8 +12162,98 @@
         </p:blipFill>
         <p:spPr>
           <a:xfrm>
-            <a:off x="8898996" y="4094377"/>
-            <a:ext cx="2570672" cy="2556295"/>
+            <a:off x="4809659" y="107106"/>
+            <a:ext cx="2530054" cy="2535382"/>
+          </a:xfrm>
+          <a:prstGeom prst="rect">
+            <a:avLst/>
+          </a:prstGeom>
+        </p:spPr>
+      </p:pic>
+      <p:pic>
+        <p:nvPicPr>
+          <p:cNvPr id="14" name="Picture 13" descr="A screenshot of a game&#10;&#10;Description automatically generated">
+            <a:extLst>
+              <a:ext uri="{FF2B5EF4-FFF2-40B4-BE49-F238E27FC236}">
+                <a16:creationId xmlns:a16="http://schemas.microsoft.com/office/drawing/2014/main" id="{D7F2ECF1-FE74-E21B-FC6E-0442524ACA79}"/>
+              </a:ext>
+            </a:extLst>
+          </p:cNvPr>
+          <p:cNvPicPr>
+            <a:picLocks noChangeAspect="1"/>
+          </p:cNvPicPr>
+          <p:nvPr/>
+        </p:nvPicPr>
+        <p:blipFill>
+          <a:blip r:embed="rId14"/>
+          <a:stretch>
+            <a:fillRect/>
+          </a:stretch>
+        </p:blipFill>
+        <p:spPr>
+          <a:xfrm>
+            <a:off x="4820316" y="4082295"/>
+            <a:ext cx="2578011" cy="2593998"/>
+          </a:xfrm>
+          <a:prstGeom prst="rect">
+            <a:avLst/>
+          </a:prstGeom>
+        </p:spPr>
+      </p:pic>
+      <p:pic>
+        <p:nvPicPr>
+          <p:cNvPr id="15" name="Picture 14" descr="A screenshot of a game&#10;&#10;Description automatically generated">
+            <a:extLst>
+              <a:ext uri="{FF2B5EF4-FFF2-40B4-BE49-F238E27FC236}">
+                <a16:creationId xmlns:a16="http://schemas.microsoft.com/office/drawing/2014/main" id="{0BEA4E95-464C-FC96-5F84-CF39A1DB03F5}"/>
+              </a:ext>
+            </a:extLst>
+          </p:cNvPr>
+          <p:cNvPicPr>
+            <a:picLocks noChangeAspect="1"/>
+          </p:cNvPicPr>
+          <p:nvPr/>
+        </p:nvPicPr>
+        <p:blipFill>
+          <a:blip r:embed="rId15"/>
+          <a:stretch>
+            <a:fillRect/>
+          </a:stretch>
+        </p:blipFill>
+        <p:spPr>
+          <a:xfrm>
+            <a:off x="685267" y="4082295"/>
+            <a:ext cx="2583340" cy="2593997"/>
+          </a:xfrm>
+          <a:prstGeom prst="rect">
+            <a:avLst/>
+          </a:prstGeom>
+        </p:spPr>
+      </p:pic>
+      <p:pic>
+        <p:nvPicPr>
+          <p:cNvPr id="16" name="Picture 15" descr="A screenshot of a game&#10;&#10;Description automatically generated">
+            <a:extLst>
+              <a:ext uri="{FF2B5EF4-FFF2-40B4-BE49-F238E27FC236}">
+                <a16:creationId xmlns:a16="http://schemas.microsoft.com/office/drawing/2014/main" id="{A3A66339-BFE0-097C-E9DE-27841AE570FB}"/>
+              </a:ext>
+            </a:extLst>
+          </p:cNvPr>
+          <p:cNvPicPr>
+            <a:picLocks noChangeAspect="1"/>
+          </p:cNvPicPr>
+          <p:nvPr/>
+        </p:nvPicPr>
+        <p:blipFill>
+          <a:blip r:embed="rId16"/>
+          <a:stretch>
+            <a:fillRect/>
+          </a:stretch>
+        </p:blipFill>
+        <p:spPr>
+          <a:xfrm>
+            <a:off x="8896750" y="4098281"/>
+            <a:ext cx="2578012" cy="2567354"/>
           </a:xfrm>
           <a:prstGeom prst="rect">
             <a:avLst/>
